--- a/Daily Agendas/Day7.1_StudentDatabase.pptx
+++ b/Daily Agendas/Day7.1_StudentDatabase.pptx
@@ -3295,7 +3295,7 @@
         <p:spPr/>
         <p:txBody>
           <a:bodyPr>
-            <a:normAutofit/>
+            <a:normAutofit fontScale="92500" lnSpcReduction="20000"/>
           </a:bodyPr>
           <a:lstStyle/>
           <a:p>
@@ -3308,44 +3308,55 @@
           <a:p>
             <a:pPr lvl="1"/>
             <a:r>
-              <a:rPr lang="en-CA" dirty="0" smtClean="0"/>
-              <a:t>Module B.4 – Student Database</a:t>
-            </a:r>
-            <a:endParaRPr lang="en-CA" dirty="0"/>
+              <a:rPr lang="en-CA" dirty="0"/>
+              <a:t>Module B.4 – Student Component Presentation</a:t>
+            </a:r>
           </a:p>
           <a:p>
             <a:pPr lvl="2"/>
             <a:r>
-              <a:rPr lang="en-CA" dirty="0" smtClean="0"/>
+              <a:rPr lang="en-CA" dirty="0"/>
+              <a:t>Create Your 4 Slide Presentation (See Template)</a:t>
+            </a:r>
+          </a:p>
+          <a:p>
+            <a:pPr lvl="2"/>
+            <a:r>
+              <a:rPr lang="en-CA" dirty="0"/>
+              <a:t>Finish For Tomorrow</a:t>
+            </a:r>
+          </a:p>
+          <a:p>
+            <a:pPr lvl="1"/>
+            <a:r>
+              <a:rPr lang="en-CA" dirty="0"/>
+              <a:t>Module B.4 – Student Database Code</a:t>
+            </a:r>
+          </a:p>
+          <a:p>
+            <a:pPr lvl="2"/>
+            <a:r>
+              <a:rPr lang="en-CA" dirty="0"/>
               <a:t>Demo Individual Student Classes (code portions)</a:t>
             </a:r>
           </a:p>
           <a:p>
             <a:pPr lvl="2"/>
             <a:r>
-              <a:rPr lang="en-CA" dirty="0" smtClean="0"/>
+              <a:rPr lang="en-CA" dirty="0"/>
               <a:t>Troubleshoot Student Code</a:t>
             </a:r>
-            <a:endParaRPr lang="en-CA" dirty="0" smtClean="0"/>
           </a:p>
           <a:p>
             <a:pPr lvl="2"/>
             <a:r>
-              <a:rPr lang="en-CA" dirty="0" smtClean="0"/>
-              <a:t>Begin Integration </a:t>
-            </a:r>
-            <a:r>
               <a:rPr lang="en-CA" dirty="0"/>
-              <a:t>of Individual Student Classes </a:t>
-            </a:r>
-            <a:r>
-              <a:rPr lang="en-CA" dirty="0"/>
-              <a:t/>
+              <a:t>Begin Integration of Individual Student Classes </a:t>
             </a:r>
             <a:br>
               <a:rPr lang="en-CA" dirty="0"/>
             </a:br>
-            <a:endParaRPr lang="en-CA" dirty="0" smtClean="0"/>
+            <a:endParaRPr lang="en-CA" dirty="0"/>
           </a:p>
           <a:p>
             <a:pPr lvl="2"/>
@@ -3360,22 +3371,14 @@
           <a:p>
             <a:pPr lvl="1"/>
             <a:r>
-              <a:rPr lang="en-CA" dirty="0" smtClean="0"/>
-              <a:t>Tomorrow: </a:t>
-            </a:r>
-            <a:r>
-              <a:rPr lang="en-CA" dirty="0" smtClean="0"/>
-              <a:t>Integrate </a:t>
-            </a:r>
-            <a:r>
-              <a:rPr lang="en-CA" dirty="0" smtClean="0"/>
-              <a:t>Student Database </a:t>
-            </a:r>
-            <a:endParaRPr lang="en-CA" dirty="0"/>
-          </a:p>
-          <a:p>
-            <a:pPr lvl="1"/>
-            <a:endParaRPr lang="en-US" dirty="0"/>
+              <a:rPr lang="en-CA"/>
+              <a:t>Tomorrow: Component </a:t>
+            </a:r>
+            <a:r>
+              <a:rPr lang="en-CA"/>
+              <a:t>Presentations </a:t>
+            </a:r>
+            <a:endParaRPr lang="en-CA"/>
           </a:p>
         </p:txBody>
       </p:sp>
